--- a/assets/members/member_hjw.pptx
+++ b/assets/members/member_hjw.pptx
@@ -197,7 +197,7 @@
           <a:p>
             <a:fld id="{E628AAC4-EF3D-4399-ADBF-CCB864C2C04D}" type="datetimeFigureOut">
               <a:rPr lang="ko-KR" altLang="en-US" smtClean="0"/>
-              <a:t>2024-03-06</a:t>
+              <a:t>2025. 1. 25.</a:t>
             </a:fld>
             <a:endParaRPr lang="ko-KR" altLang="en-US" dirty="0"/>
           </a:p>
@@ -611,7 +611,7 @@
           <a:p>
             <a:fld id="{75F2F651-36CF-4C58-93DF-887A107CEA47}" type="datetimeFigureOut">
               <a:rPr lang="ko-KR" altLang="en-US" smtClean="0"/>
-              <a:t>2024-03-06</a:t>
+              <a:t>2025. 1. 25.</a:t>
             </a:fld>
             <a:endParaRPr lang="ko-KR" altLang="en-US" dirty="0"/>
           </a:p>
@@ -809,7 +809,7 @@
           <a:p>
             <a:fld id="{75F2F651-36CF-4C58-93DF-887A107CEA47}" type="datetimeFigureOut">
               <a:rPr lang="ko-KR" altLang="en-US" smtClean="0"/>
-              <a:t>2024-03-06</a:t>
+              <a:t>2025. 1. 25.</a:t>
             </a:fld>
             <a:endParaRPr lang="ko-KR" altLang="en-US" dirty="0"/>
           </a:p>
@@ -1017,7 +1017,7 @@
           <a:p>
             <a:fld id="{75F2F651-36CF-4C58-93DF-887A107CEA47}" type="datetimeFigureOut">
               <a:rPr lang="ko-KR" altLang="en-US" smtClean="0"/>
-              <a:t>2024-03-06</a:t>
+              <a:t>2025. 1. 25.</a:t>
             </a:fld>
             <a:endParaRPr lang="ko-KR" altLang="en-US" dirty="0"/>
           </a:p>
@@ -1215,7 +1215,7 @@
           <a:p>
             <a:fld id="{75F2F651-36CF-4C58-93DF-887A107CEA47}" type="datetimeFigureOut">
               <a:rPr lang="ko-KR" altLang="en-US" smtClean="0"/>
-              <a:t>2024-03-06</a:t>
+              <a:t>2025. 1. 25.</a:t>
             </a:fld>
             <a:endParaRPr lang="ko-KR" altLang="en-US" dirty="0"/>
           </a:p>
@@ -1490,7 +1490,7 @@
           <a:p>
             <a:fld id="{75F2F651-36CF-4C58-93DF-887A107CEA47}" type="datetimeFigureOut">
               <a:rPr lang="ko-KR" altLang="en-US" smtClean="0"/>
-              <a:t>2024-03-06</a:t>
+              <a:t>2025. 1. 25.</a:t>
             </a:fld>
             <a:endParaRPr lang="ko-KR" altLang="en-US" dirty="0"/>
           </a:p>
@@ -1755,7 +1755,7 @@
           <a:p>
             <a:fld id="{75F2F651-36CF-4C58-93DF-887A107CEA47}" type="datetimeFigureOut">
               <a:rPr lang="ko-KR" altLang="en-US" smtClean="0"/>
-              <a:t>2024-03-06</a:t>
+              <a:t>2025. 1. 25.</a:t>
             </a:fld>
             <a:endParaRPr lang="ko-KR" altLang="en-US" dirty="0"/>
           </a:p>
@@ -2167,7 +2167,7 @@
           <a:p>
             <a:fld id="{75F2F651-36CF-4C58-93DF-887A107CEA47}" type="datetimeFigureOut">
               <a:rPr lang="ko-KR" altLang="en-US" smtClean="0"/>
-              <a:t>2024-03-06</a:t>
+              <a:t>2025. 1. 25.</a:t>
             </a:fld>
             <a:endParaRPr lang="ko-KR" altLang="en-US" dirty="0"/>
           </a:p>
@@ -2308,7 +2308,7 @@
           <a:p>
             <a:fld id="{75F2F651-36CF-4C58-93DF-887A107CEA47}" type="datetimeFigureOut">
               <a:rPr lang="ko-KR" altLang="en-US" smtClean="0"/>
-              <a:t>2024-03-06</a:t>
+              <a:t>2025. 1. 25.</a:t>
             </a:fld>
             <a:endParaRPr lang="ko-KR" altLang="en-US" dirty="0"/>
           </a:p>
@@ -2421,7 +2421,7 @@
           <a:p>
             <a:fld id="{75F2F651-36CF-4C58-93DF-887A107CEA47}" type="datetimeFigureOut">
               <a:rPr lang="ko-KR" altLang="en-US" smtClean="0"/>
-              <a:t>2024-03-06</a:t>
+              <a:t>2025. 1. 25.</a:t>
             </a:fld>
             <a:endParaRPr lang="ko-KR" altLang="en-US" dirty="0"/>
           </a:p>
@@ -2732,7 +2732,7 @@
           <a:p>
             <a:fld id="{75F2F651-36CF-4C58-93DF-887A107CEA47}" type="datetimeFigureOut">
               <a:rPr lang="ko-KR" altLang="en-US" smtClean="0"/>
-              <a:t>2024-03-06</a:t>
+              <a:t>2025. 1. 25.</a:t>
             </a:fld>
             <a:endParaRPr lang="ko-KR" altLang="en-US" dirty="0"/>
           </a:p>
@@ -3020,7 +3020,7 @@
           <a:p>
             <a:fld id="{75F2F651-36CF-4C58-93DF-887A107CEA47}" type="datetimeFigureOut">
               <a:rPr lang="ko-KR" altLang="en-US" smtClean="0"/>
-              <a:t>2024-03-06</a:t>
+              <a:t>2025. 1. 25.</a:t>
             </a:fld>
             <a:endParaRPr lang="ko-KR" altLang="en-US" dirty="0"/>
           </a:p>
@@ -3261,7 +3261,7 @@
           <a:p>
             <a:fld id="{75F2F651-36CF-4C58-93DF-887A107CEA47}" type="datetimeFigureOut">
               <a:rPr lang="ko-KR" altLang="en-US" smtClean="0"/>
-              <a:t>2024-03-06</a:t>
+              <a:t>2025. 1. 25.</a:t>
             </a:fld>
             <a:endParaRPr lang="ko-KR" altLang="en-US" dirty="0"/>
           </a:p>
@@ -3880,7 +3880,7 @@
               <a:t>현      재 </a:t>
             </a:r>
             <a:r>
-              <a:rPr lang="en-US" altLang="ko-KR" sz="1400">
+              <a:rPr lang="en-US" altLang="ko-KR" sz="1400" dirty="0">
                 <a:latin typeface="JejuGothicOTF" panose="02000300000000000000" pitchFamily="2" charset="-127"/>
                 <a:ea typeface="JejuGothicOTF" panose="02000300000000000000" pitchFamily="2" charset="-127"/>
               </a:rPr>
@@ -3891,7 +3891,7 @@
                 <a:latin typeface="JejuGothicOTF" panose="02000300000000000000" pitchFamily="2" charset="-127"/>
                 <a:ea typeface="JejuGothicOTF" panose="02000300000000000000" pitchFamily="2" charset="-127"/>
               </a:rPr>
-              <a:t>학부과정</a:t>
+              <a:t>석사과정</a:t>
             </a:r>
             <a:endParaRPr lang="en-US" altLang="ko-KR" sz="1400" dirty="0">
               <a:latin typeface="JejuGothicOTF" panose="02000300000000000000" pitchFamily="2" charset="-127"/>
@@ -3948,19 +3948,8 @@
                 <a:latin typeface="JejuGothicOTF" panose="02000300000000000000" pitchFamily="2" charset="-127"/>
                 <a:ea typeface="JejuGothicOTF" panose="02000300000000000000" pitchFamily="2" charset="-127"/>
               </a:rPr>
-              <a:t> E-mail  </a:t>
-            </a:r>
-            <a:r>
-              <a:rPr lang="en-US" altLang="ko-KR" sz="1400">
-                <a:latin typeface="JejuGothicOTF" panose="02000300000000000000" pitchFamily="2" charset="-127"/>
-                <a:ea typeface="JejuGothicOTF" panose="02000300000000000000" pitchFamily="2" charset="-127"/>
-              </a:rPr>
-              <a:t>: wjreh12@gmail.com</a:t>
-            </a:r>
-            <a:endParaRPr lang="en-US" altLang="ko-KR" sz="1400" dirty="0">
-              <a:latin typeface="JejuGothicOTF" panose="02000300000000000000" pitchFamily="2" charset="-127"/>
-              <a:ea typeface="JejuGothicOTF" panose="02000300000000000000" pitchFamily="2" charset="-127"/>
-            </a:endParaRPr>
+              <a:t> E-mail  : wjreh12@gmail.com</a:t>
+            </a:r>
           </a:p>
           <a:p>
             <a:pPr marL="285750" indent="-285750">
@@ -3978,18 +3967,39 @@
               <a:buChar char="•"/>
             </a:pPr>
             <a:r>
-              <a:rPr lang="ko-KR" altLang="en-US" sz="1400">
+              <a:rPr lang="ko-KR" altLang="en-US" sz="1400" dirty="0">
                 <a:latin typeface="JejuGothicOTF" panose="02000300000000000000" pitchFamily="2" charset="-127"/>
                 <a:ea typeface="JejuGothicOTF" panose="02000300000000000000" pitchFamily="2" charset="-127"/>
               </a:rPr>
               <a:t>홈페이지</a:t>
             </a:r>
             <a:r>
-              <a:rPr lang="en-US" altLang="ko-KR" sz="1400">
+              <a:rPr lang="en-US" altLang="ko-KR" sz="1400" dirty="0">
                 <a:latin typeface="JejuGothicOTF" panose="02000300000000000000" pitchFamily="2" charset="-127"/>
                 <a:ea typeface="JejuGothicOTF" panose="02000300000000000000" pitchFamily="2" charset="-127"/>
               </a:rPr>
-              <a:t>: https://github.com/uomiz</a:t>
+              <a:t>: https://</a:t>
+            </a:r>
+            <a:r>
+              <a:rPr lang="en-US" altLang="ko-KR" sz="1400" dirty="0" err="1">
+                <a:latin typeface="JejuGothicOTF" panose="02000300000000000000" pitchFamily="2" charset="-127"/>
+                <a:ea typeface="JejuGothicOTF" panose="02000300000000000000" pitchFamily="2" charset="-127"/>
+              </a:rPr>
+              <a:t>github.com</a:t>
+            </a:r>
+            <a:r>
+              <a:rPr lang="en-US" altLang="ko-KR" sz="1400" dirty="0">
+                <a:latin typeface="JejuGothicOTF" panose="02000300000000000000" pitchFamily="2" charset="-127"/>
+                <a:ea typeface="JejuGothicOTF" panose="02000300000000000000" pitchFamily="2" charset="-127"/>
+              </a:rPr>
+              <a:t>/</a:t>
+            </a:r>
+            <a:r>
+              <a:rPr lang="en-US" altLang="ko-KR" sz="1400" dirty="0" err="1">
+                <a:latin typeface="JejuGothicOTF" panose="02000300000000000000" pitchFamily="2" charset="-127"/>
+                <a:ea typeface="JejuGothicOTF" panose="02000300000000000000" pitchFamily="2" charset="-127"/>
+              </a:rPr>
+              <a:t>uomiz</a:t>
             </a:r>
             <a:endParaRPr lang="en-US" altLang="ko-KR" sz="1400" dirty="0">
               <a:latin typeface="JejuGothicOTF" panose="02000300000000000000" pitchFamily="2" charset="-127"/>
